--- a/科技论文写作(updating)/doc/结题答辩/蒋涵.pptx
+++ b/科技论文写作(updating)/doc/结题答辩/蒋涵.pptx
@@ -8886,66 +8886,13 @@
       </p:sp>
       <p:sp>
         <p:nvSpPr>
-          <p:cNvPr id="8" name="文本框 7"/>
-          <p:cNvSpPr txBox="1"/>
-          <p:nvPr/>
-        </p:nvSpPr>
-        <p:spPr>
-          <a:xfrm>
-            <a:off x="1880870" y="2607310"/>
-            <a:ext cx="3119120" cy="639445"/>
-          </a:xfrm>
-          <a:prstGeom prst="rect">
-            <a:avLst/>
-          </a:prstGeom>
-          <a:noFill/>
-        </p:spPr>
-        <p:txBody>
-          <a:bodyPr wrap="square" lIns="0" tIns="0" rIns="0" bIns="0" rtlCol="0" anchor="t">
-            <a:spAutoFit/>
-          </a:bodyPr>
-          <a:lstStyle/>
-          <a:p>
-            <a:pPr>
-              <a:lnSpc>
-                <a:spcPct val="130000"/>
-              </a:lnSpc>
-            </a:pPr>
-            <a:r>
-              <a:rPr lang="en-US" altLang="zh-CN" sz="1600" b="0" dirty="0">
-                <a:solidFill>
-                  <a:schemeClr val="tx1">
-                    <a:lumMod val="75000"/>
-                    <a:lumOff val="25000"/>
-                  </a:schemeClr>
-                </a:solidFill>
-                <a:effectLst/>
-                <a:latin typeface="+mn-ea"/>
-              </a:rPr>
-              <a:t>系统可以读取本地或用户输入的动物图片，并将其进行标准化处理</a:t>
-            </a:r>
-            <a:endParaRPr lang="en-US" altLang="zh-CN" sz="1600" b="0" dirty="0">
-              <a:solidFill>
-                <a:schemeClr val="tx1">
-                  <a:lumMod val="75000"/>
-                  <a:lumOff val="25000"/>
-                </a:schemeClr>
-              </a:solidFill>
-              <a:effectLst/>
-              <a:latin typeface="+mn-ea"/>
-            </a:endParaRPr>
-          </a:p>
-        </p:txBody>
-      </p:sp>
-      <p:sp>
-        <p:nvSpPr>
           <p:cNvPr id="9" name="文本框 8"/>
           <p:cNvSpPr txBox="1"/>
           <p:nvPr/>
         </p:nvSpPr>
         <p:spPr>
           <a:xfrm>
-            <a:off x="1880235" y="3583305"/>
+            <a:off x="1268730" y="3583305"/>
             <a:ext cx="2383155" cy="368935"/>
           </a:xfrm>
           <a:prstGeom prst="rect">
@@ -9002,68 +8949,13 @@
       </p:sp>
       <p:sp>
         <p:nvSpPr>
-          <p:cNvPr id="4" name="文本框 3"/>
-          <p:cNvSpPr txBox="1"/>
-          <p:nvPr/>
-        </p:nvSpPr>
-        <p:spPr>
-          <a:xfrm>
-            <a:off x="1880461" y="3980134"/>
-            <a:ext cx="2586845" cy="639445"/>
-          </a:xfrm>
-          <a:prstGeom prst="rect">
-            <a:avLst/>
-          </a:prstGeom>
-          <a:noFill/>
-        </p:spPr>
-        <p:txBody>
-          <a:bodyPr wrap="square" lIns="0" tIns="0" rIns="0" bIns="0" rtlCol="0" anchor="t">
-            <a:spAutoFit/>
-          </a:bodyPr>
-          <a:lstStyle/>
-          <a:p>
-            <a:pPr>
-              <a:lnSpc>
-                <a:spcPct val="130000"/>
-              </a:lnSpc>
-            </a:pPr>
-            <a:r>
-              <a:rPr lang="en-US" sz="1600" b="0" dirty="0">
-                <a:solidFill>
-                  <a:schemeClr val="tx1">
-                    <a:lumMod val="75000"/>
-                    <a:lumOff val="25000"/>
-                  </a:schemeClr>
-                </a:solidFill>
-                <a:effectLst/>
-                <a:latin typeface="+mn-ea"/>
-                <a:cs typeface="+mn-ea"/>
-              </a:rPr>
-              <a:t>系统可以识别出标准化处理后的动物图片的动物种类</a:t>
-            </a:r>
-            <a:endParaRPr lang="en-US" sz="1600" b="0" dirty="0">
-              <a:solidFill>
-                <a:schemeClr val="tx1">
-                  <a:lumMod val="75000"/>
-                  <a:lumOff val="25000"/>
-                </a:schemeClr>
-              </a:solidFill>
-              <a:effectLst/>
-              <a:latin typeface="+mn-ea"/>
-              <a:cs typeface="+mn-ea"/>
-            </a:endParaRPr>
-          </a:p>
-        </p:txBody>
-      </p:sp>
-      <p:sp>
-        <p:nvSpPr>
           <p:cNvPr id="19" name="文本框 18"/>
           <p:cNvSpPr txBox="1"/>
           <p:nvPr/>
         </p:nvSpPr>
         <p:spPr>
           <a:xfrm>
-            <a:off x="1880235" y="5123180"/>
+            <a:off x="1286510" y="5052695"/>
             <a:ext cx="2587625" cy="368935"/>
           </a:xfrm>
           <a:prstGeom prst="rect">
@@ -9120,71 +9012,13 @@
       </p:sp>
       <p:sp>
         <p:nvSpPr>
-          <p:cNvPr id="22" name="文本框 21"/>
-          <p:cNvSpPr txBox="1"/>
-          <p:nvPr/>
-        </p:nvSpPr>
-        <p:spPr>
-          <a:xfrm>
-            <a:off x="1880235" y="5461635"/>
-            <a:ext cx="2985770" cy="639445"/>
-          </a:xfrm>
-          <a:prstGeom prst="rect">
-            <a:avLst/>
-          </a:prstGeom>
-          <a:noFill/>
-        </p:spPr>
-        <p:txBody>
-          <a:bodyPr wrap="square" lIns="0" tIns="0" rIns="0" bIns="0" rtlCol="0" anchor="t">
-            <a:spAutoFit/>
-          </a:bodyPr>
-          <a:lstStyle/>
-          <a:p>
-            <a:pPr algn="l">
-              <a:lnSpc>
-                <a:spcPct val="130000"/>
-              </a:lnSpc>
-              <a:buClrTx/>
-              <a:buSzTx/>
-              <a:buFontTx/>
-            </a:pPr>
-            <a:r>
-              <a:rPr lang="en-US" altLang="zh-CN" sz="1600" b="0" dirty="0">
-                <a:solidFill>
-                  <a:schemeClr val="tx1">
-                    <a:lumMod val="75000"/>
-                    <a:lumOff val="25000"/>
-                  </a:schemeClr>
-                </a:solidFill>
-                <a:effectLst/>
-                <a:latin typeface="+mn-ea"/>
-                <a:cs typeface="+mn-ea"/>
-              </a:rPr>
-              <a:t>系统可以将最后的动物识别结果和系统输入的图片展示到前端</a:t>
-            </a:r>
-            <a:endParaRPr lang="en-US" altLang="zh-CN" sz="1600" b="0" dirty="0">
-              <a:solidFill>
-                <a:schemeClr val="tx1">
-                  <a:lumMod val="75000"/>
-                  <a:lumOff val="25000"/>
-                </a:schemeClr>
-              </a:solidFill>
-              <a:effectLst/>
-              <a:latin typeface="+mn-ea"/>
-              <a:cs typeface="+mn-ea"/>
-            </a:endParaRPr>
-          </a:p>
-        </p:txBody>
-      </p:sp>
-      <p:sp>
-        <p:nvSpPr>
           <p:cNvPr id="32" name="文本框 31"/>
           <p:cNvSpPr txBox="1"/>
           <p:nvPr/>
         </p:nvSpPr>
         <p:spPr>
           <a:xfrm>
-            <a:off x="2022630" y="2200435"/>
+            <a:off x="1286665" y="2340770"/>
             <a:ext cx="2976796" cy="368935"/>
           </a:xfrm>
           <a:prstGeom prst="rect">
@@ -9271,59 +9105,6 @@
       </p:sp>
       <p:sp>
         <p:nvSpPr>
-          <p:cNvPr id="37" name="文本框 36"/>
-          <p:cNvSpPr txBox="1"/>
-          <p:nvPr/>
-        </p:nvSpPr>
-        <p:spPr>
-          <a:xfrm>
-            <a:off x="7251700" y="2607310"/>
-            <a:ext cx="3119120" cy="639445"/>
-          </a:xfrm>
-          <a:prstGeom prst="rect">
-            <a:avLst/>
-          </a:prstGeom>
-          <a:noFill/>
-        </p:spPr>
-        <p:txBody>
-          <a:bodyPr wrap="square" lIns="0" tIns="0" rIns="0" bIns="0" rtlCol="0" anchor="t">
-            <a:spAutoFit/>
-          </a:bodyPr>
-          <a:lstStyle/>
-          <a:p>
-            <a:pPr>
-              <a:lnSpc>
-                <a:spcPct val="130000"/>
-              </a:lnSpc>
-            </a:pPr>
-            <a:r>
-              <a:rPr lang="en-US" altLang="zh-CN" sz="1600" b="0" dirty="0">
-                <a:solidFill>
-                  <a:schemeClr val="tx1">
-                    <a:lumMod val="75000"/>
-                    <a:lumOff val="25000"/>
-                  </a:schemeClr>
-                </a:solidFill>
-                <a:effectLst/>
-                <a:latin typeface="+mn-ea"/>
-              </a:rPr>
-              <a:t>系统可以读取本地或用户输入的动物图片，并将其进行标准化处理</a:t>
-            </a:r>
-            <a:endParaRPr lang="en-US" altLang="zh-CN" sz="1600" b="0" dirty="0">
-              <a:solidFill>
-                <a:schemeClr val="tx1">
-                  <a:lumMod val="75000"/>
-                  <a:lumOff val="25000"/>
-                </a:schemeClr>
-              </a:solidFill>
-              <a:effectLst/>
-              <a:latin typeface="+mn-ea"/>
-            </a:endParaRPr>
-          </a:p>
-        </p:txBody>
-      </p:sp>
-      <p:sp>
-        <p:nvSpPr>
           <p:cNvPr id="38" name="文本框 37"/>
           <p:cNvSpPr txBox="1"/>
           <p:nvPr/>
@@ -9377,61 +9158,6 @@
       </p:sp>
       <p:sp>
         <p:nvSpPr>
-          <p:cNvPr id="39" name="文本框 38"/>
-          <p:cNvSpPr txBox="1"/>
-          <p:nvPr/>
-        </p:nvSpPr>
-        <p:spPr>
-          <a:xfrm>
-            <a:off x="7251291" y="3980134"/>
-            <a:ext cx="2586845" cy="639445"/>
-          </a:xfrm>
-          <a:prstGeom prst="rect">
-            <a:avLst/>
-          </a:prstGeom>
-          <a:noFill/>
-        </p:spPr>
-        <p:txBody>
-          <a:bodyPr wrap="square" lIns="0" tIns="0" rIns="0" bIns="0" rtlCol="0" anchor="t">
-            <a:spAutoFit/>
-          </a:bodyPr>
-          <a:lstStyle/>
-          <a:p>
-            <a:pPr>
-              <a:lnSpc>
-                <a:spcPct val="130000"/>
-              </a:lnSpc>
-            </a:pPr>
-            <a:r>
-              <a:rPr lang="en-US" sz="1600" b="0" dirty="0">
-                <a:solidFill>
-                  <a:schemeClr val="tx1">
-                    <a:lumMod val="75000"/>
-                    <a:lumOff val="25000"/>
-                  </a:schemeClr>
-                </a:solidFill>
-                <a:effectLst/>
-                <a:latin typeface="+mn-ea"/>
-                <a:cs typeface="+mn-ea"/>
-              </a:rPr>
-              <a:t>系统可以识别出标准化处理后的动物图片的动物种类</a:t>
-            </a:r>
-            <a:endParaRPr lang="en-US" sz="1600" b="0" dirty="0">
-              <a:solidFill>
-                <a:schemeClr val="tx1">
-                  <a:lumMod val="75000"/>
-                  <a:lumOff val="25000"/>
-                </a:schemeClr>
-              </a:solidFill>
-              <a:effectLst/>
-              <a:latin typeface="+mn-ea"/>
-              <a:cs typeface="+mn-ea"/>
-            </a:endParaRPr>
-          </a:p>
-        </p:txBody>
-      </p:sp>
-      <p:sp>
-        <p:nvSpPr>
           <p:cNvPr id="42" name="文本框 41"/>
           <p:cNvSpPr txBox="1"/>
           <p:nvPr/>
@@ -9479,64 +9205,6 @@
               </a:solidFill>
               <a:latin typeface="+mj-ea"/>
               <a:ea typeface="+mj-ea"/>
-            </a:endParaRPr>
-          </a:p>
-        </p:txBody>
-      </p:sp>
-      <p:sp>
-        <p:nvSpPr>
-          <p:cNvPr id="43" name="文本框 42"/>
-          <p:cNvSpPr txBox="1"/>
-          <p:nvPr/>
-        </p:nvSpPr>
-        <p:spPr>
-          <a:xfrm>
-            <a:off x="7251065" y="5461635"/>
-            <a:ext cx="2985770" cy="639445"/>
-          </a:xfrm>
-          <a:prstGeom prst="rect">
-            <a:avLst/>
-          </a:prstGeom>
-          <a:noFill/>
-        </p:spPr>
-        <p:txBody>
-          <a:bodyPr wrap="square" lIns="0" tIns="0" rIns="0" bIns="0" rtlCol="0" anchor="t">
-            <a:spAutoFit/>
-          </a:bodyPr>
-          <a:lstStyle/>
-          <a:p>
-            <a:pPr algn="l">
-              <a:lnSpc>
-                <a:spcPct val="130000"/>
-              </a:lnSpc>
-              <a:buClrTx/>
-              <a:buSzTx/>
-              <a:buFontTx/>
-            </a:pPr>
-            <a:r>
-              <a:rPr lang="en-US" altLang="zh-CN" sz="1600" b="0" dirty="0">
-                <a:solidFill>
-                  <a:schemeClr val="tx1">
-                    <a:lumMod val="75000"/>
-                    <a:lumOff val="25000"/>
-                  </a:schemeClr>
-                </a:solidFill>
-                <a:effectLst/>
-                <a:latin typeface="+mn-ea"/>
-                <a:cs typeface="+mn-ea"/>
-              </a:rPr>
-              <a:t>系统可以将最后的动物识别结果和系统输入的图片展示到前端</a:t>
-            </a:r>
-            <a:endParaRPr lang="en-US" altLang="zh-CN" sz="1600" b="0" dirty="0">
-              <a:solidFill>
-                <a:schemeClr val="tx1">
-                  <a:lumMod val="75000"/>
-                  <a:lumOff val="25000"/>
-                </a:schemeClr>
-              </a:solidFill>
-              <a:effectLst/>
-              <a:latin typeface="+mn-ea"/>
-              <a:cs typeface="+mn-ea"/>
             </a:endParaRPr>
           </a:p>
         </p:txBody>
@@ -11386,22 +11054,26 @@
       </p:sp>
       <p:pic>
         <p:nvPicPr>
-          <p:cNvPr id="-2147482619" name="图片 46"/>
+          <p:cNvPr id="3" name="图片 46"/>
           <p:cNvPicPr>
             <a:picLocks noChangeAspect="1"/>
           </p:cNvPicPr>
-          <p:nvPr/>
+          <p:nvPr>
+            <p:custDataLst>
+              <p:tags r:id="rId1"/>
+            </p:custDataLst>
+          </p:nvPr>
         </p:nvPicPr>
         <p:blipFill>
-          <a:blip r:embed="rId1"/>
+          <a:blip r:embed="rId2"/>
           <a:stretch>
             <a:fillRect/>
           </a:stretch>
         </p:blipFill>
         <p:spPr>
           <a:xfrm>
-            <a:off x="6150610" y="1665605"/>
-            <a:ext cx="5033010" cy="3796030"/>
+            <a:off x="5307330" y="679450"/>
+            <a:ext cx="6227445" cy="4697095"/>
           </a:xfrm>
           <a:prstGeom prst="rect">
             <a:avLst/>
@@ -12537,7 +12209,7 @@
       </p:sp>
       <p:pic>
         <p:nvPicPr>
-          <p:cNvPr id="-2147482617" name="图片 41" descr="upload_post_object_v2_428537002"/>
+          <p:cNvPr id="3" name="图片 41" descr="upload_post_object_v2_428537002"/>
           <p:cNvPicPr>
             <a:picLocks noChangeAspect="1"/>
           </p:cNvPicPr>
@@ -12565,7 +12237,7 @@
       </p:pic>
       <p:sp>
         <p:nvSpPr>
-          <p:cNvPr id="3" name="文本框 2"/>
+          <p:cNvPr id="4" name="文本框 3"/>
           <p:cNvSpPr txBox="1"/>
           <p:nvPr/>
         </p:nvSpPr>
@@ -12865,6 +12537,12 @@
 </file>
 
 <file path=ppt/tags/tag12.xml><?xml version="1.0" encoding="utf-8"?>
+<p:tagLst xmlns:p="http://schemas.openxmlformats.org/presentationml/2006/main">
+  <p:tag name="KSO_WM_UNIT_PLACING_PICTURE_USER_VIEWPORT" val="{&quot;height&quot;:5978,&quot;width&quot;:7926}"/>
+</p:tagLst>
+</file>
+
+<file path=ppt/tags/tag13.xml><?xml version="1.0" encoding="utf-8"?>
 <p:tagLst xmlns:p="http://schemas.openxmlformats.org/presentationml/2006/main">
   <p:tag name="KSO_WPP_MARK_KEY" val="78d83d89-6a31-49f8-8cb0-6a9caa4990ed"/>
   <p:tag name="COMMONDATA" val="eyJoZGlkIjoiZTRiZjZiOGE4NmI5YTBkMzRkODhlNTljMjJiYzE2NjEifQ=="/>
